--- a/RandomPasswordGenerator.pptx
+++ b/RandomPasswordGenerator.pptx
@@ -14353,7 +14353,7 @@
                   <a:srgbClr val="FFFFFF"/>
                 </a:solidFill>
               </a:rPr>
-              <a:t>This module allows us to copy and paste text to and from the clipboard to you computer.</a:t>
+              <a:t>This module allows us to copy and paste text to and from the clipboard to your computer.</a:t>
             </a:r>
           </a:p>
           <a:p>
